--- a/Week3-2-Raspberry-Pi.pptx
+++ b/Week3-2-Raspberry-Pi.pptx
@@ -232,7 +232,7 @@
           <a:p>
             <a:fld id="{FC7FC171-92E4-4BCB-A93D-F12D7F36229F}" type="datetimeFigureOut">
               <a:rPr lang="ko-KR" altLang="en-US" smtClean="0"/>
-              <a:t>2016-09-22</a:t>
+              <a:t>2016-09-25</a:t>
             </a:fld>
             <a:endParaRPr lang="ko-KR" altLang="en-US"/>
           </a:p>
@@ -544,6 +544,860 @@
           <a:bodyPr/>
           <a:lstStyle/>
           <a:p>
+            <a:r>
+              <a:rPr lang="en-US" altLang="ko-KR" sz="800" dirty="0" smtClean="0"/>
+              <a:t>#</a:t>
+            </a:r>
+            <a:r>
+              <a:rPr lang="en-US" altLang="ko-KR" sz="800" dirty="0" err="1" smtClean="0"/>
+              <a:t>ifdef</a:t>
+            </a:r>
+            <a:r>
+              <a:rPr lang="en-US" altLang="ko-KR" sz="800" dirty="0" smtClean="0"/>
+              <a:t> </a:t>
+            </a:r>
+            <a:r>
+              <a:rPr lang="en-US" altLang="ko-KR" sz="800" dirty="0" err="1" smtClean="0"/>
+              <a:t>RaspberryPi</a:t>
+            </a:r>
+            <a:r>
+              <a:rPr lang="en-US" altLang="ko-KR" sz="800" dirty="0" smtClean="0"/>
+              <a:t> </a:t>
+            </a:r>
+          </a:p>
+          <a:p>
+            <a:r>
+              <a:rPr lang="en-US" altLang="ko-KR" sz="800" dirty="0" smtClean="0"/>
+              <a:t> </a:t>
+            </a:r>
+          </a:p>
+          <a:p>
+            <a:r>
+              <a:rPr lang="en-US" altLang="ko-KR" sz="800" dirty="0" smtClean="0"/>
+              <a:t>//include system </a:t>
+            </a:r>
+            <a:r>
+              <a:rPr lang="en-US" altLang="ko-KR" sz="800" dirty="0" err="1" smtClean="0"/>
+              <a:t>librarys</a:t>
+            </a:r>
+            <a:endParaRPr lang="en-US" altLang="ko-KR" sz="800" dirty="0" smtClean="0"/>
+          </a:p>
+          <a:p>
+            <a:r>
+              <a:rPr lang="en-US" altLang="ko-KR" sz="800" dirty="0" smtClean="0"/>
+              <a:t>#include &lt;</a:t>
+            </a:r>
+            <a:r>
+              <a:rPr lang="en-US" altLang="ko-KR" sz="800" dirty="0" err="1" smtClean="0"/>
+              <a:t>stdio.h</a:t>
+            </a:r>
+            <a:r>
+              <a:rPr lang="en-US" altLang="ko-KR" sz="800" dirty="0" smtClean="0"/>
+              <a:t>&gt; //for </a:t>
+            </a:r>
+            <a:r>
+              <a:rPr lang="en-US" altLang="ko-KR" sz="800" dirty="0" err="1" smtClean="0"/>
+              <a:t>printf</a:t>
+            </a:r>
+            <a:endParaRPr lang="en-US" altLang="ko-KR" sz="800" dirty="0" smtClean="0"/>
+          </a:p>
+          <a:p>
+            <a:r>
+              <a:rPr lang="en-US" altLang="ko-KR" sz="800" dirty="0" smtClean="0"/>
+              <a:t>#include &lt;</a:t>
+            </a:r>
+            <a:r>
+              <a:rPr lang="en-US" altLang="ko-KR" sz="800" dirty="0" err="1" smtClean="0"/>
+              <a:t>stdint.h</a:t>
+            </a:r>
+            <a:r>
+              <a:rPr lang="en-US" altLang="ko-KR" sz="800" dirty="0" smtClean="0"/>
+              <a:t>&gt; //uint8_t definitions</a:t>
+            </a:r>
+          </a:p>
+          <a:p>
+            <a:r>
+              <a:rPr lang="en-US" altLang="ko-KR" sz="800" dirty="0" smtClean="0"/>
+              <a:t>#include &lt;</a:t>
+            </a:r>
+            <a:r>
+              <a:rPr lang="en-US" altLang="ko-KR" sz="800" dirty="0" err="1" smtClean="0"/>
+              <a:t>stdlib.h</a:t>
+            </a:r>
+            <a:r>
+              <a:rPr lang="en-US" altLang="ko-KR" sz="800" dirty="0" smtClean="0"/>
+              <a:t>&gt; //for exit(</a:t>
+            </a:r>
+            <a:r>
+              <a:rPr lang="en-US" altLang="ko-KR" sz="800" dirty="0" err="1" smtClean="0"/>
+              <a:t>int</a:t>
+            </a:r>
+            <a:r>
+              <a:rPr lang="en-US" altLang="ko-KR" sz="800" dirty="0" smtClean="0"/>
+              <a:t>);</a:t>
+            </a:r>
+          </a:p>
+          <a:p>
+            <a:r>
+              <a:rPr lang="en-US" altLang="ko-KR" sz="800" dirty="0" smtClean="0"/>
+              <a:t>#include &lt;</a:t>
+            </a:r>
+            <a:r>
+              <a:rPr lang="en-US" altLang="ko-KR" sz="800" dirty="0" err="1" smtClean="0"/>
+              <a:t>string.h</a:t>
+            </a:r>
+            <a:r>
+              <a:rPr lang="en-US" altLang="ko-KR" sz="800" dirty="0" smtClean="0"/>
+              <a:t>&gt; //for </a:t>
+            </a:r>
+            <a:r>
+              <a:rPr lang="en-US" altLang="ko-KR" sz="800" dirty="0" err="1" smtClean="0"/>
+              <a:t>errno</a:t>
+            </a:r>
+            <a:endParaRPr lang="en-US" altLang="ko-KR" sz="800" dirty="0" smtClean="0"/>
+          </a:p>
+          <a:p>
+            <a:r>
+              <a:rPr lang="en-US" altLang="ko-KR" sz="800" dirty="0" smtClean="0"/>
+              <a:t>#include &lt;</a:t>
+            </a:r>
+            <a:r>
+              <a:rPr lang="en-US" altLang="ko-KR" sz="800" dirty="0" err="1" smtClean="0"/>
+              <a:t>errno.h</a:t>
+            </a:r>
+            <a:r>
+              <a:rPr lang="en-US" altLang="ko-KR" sz="800" dirty="0" smtClean="0"/>
+              <a:t>&gt; //error output</a:t>
+            </a:r>
+          </a:p>
+          <a:p>
+            <a:r>
+              <a:rPr lang="en-US" altLang="ko-KR" sz="800" dirty="0" smtClean="0"/>
+              <a:t> </a:t>
+            </a:r>
+          </a:p>
+          <a:p>
+            <a:r>
+              <a:rPr lang="en-US" altLang="ko-KR" sz="800" dirty="0" smtClean="0"/>
+              <a:t>//wiring Pi</a:t>
+            </a:r>
+          </a:p>
+          <a:p>
+            <a:r>
+              <a:rPr lang="en-US" altLang="ko-KR" sz="800" dirty="0" smtClean="0"/>
+              <a:t>#include &lt;</a:t>
+            </a:r>
+            <a:r>
+              <a:rPr lang="en-US" altLang="ko-KR" sz="800" dirty="0" err="1" smtClean="0"/>
+              <a:t>wiringPi.h</a:t>
+            </a:r>
+            <a:r>
+              <a:rPr lang="en-US" altLang="ko-KR" sz="800" dirty="0" smtClean="0"/>
+              <a:t>&gt;</a:t>
+            </a:r>
+          </a:p>
+          <a:p>
+            <a:r>
+              <a:rPr lang="en-US" altLang="ko-KR" sz="800" dirty="0" smtClean="0"/>
+              <a:t>#include &lt;</a:t>
+            </a:r>
+            <a:r>
+              <a:rPr lang="en-US" altLang="ko-KR" sz="800" dirty="0" err="1" smtClean="0"/>
+              <a:t>wiringSerial.h</a:t>
+            </a:r>
+            <a:r>
+              <a:rPr lang="en-US" altLang="ko-KR" sz="800" dirty="0" smtClean="0"/>
+              <a:t>&gt;</a:t>
+            </a:r>
+          </a:p>
+          <a:p>
+            <a:r>
+              <a:rPr lang="en-US" altLang="ko-KR" sz="800" dirty="0" smtClean="0"/>
+              <a:t> </a:t>
+            </a:r>
+          </a:p>
+          <a:p>
+            <a:r>
+              <a:rPr lang="en-US" altLang="ko-KR" sz="800" dirty="0" smtClean="0"/>
+              <a:t>// Find Serial device on Raspberry with ~ls /dev/</a:t>
+            </a:r>
+            <a:r>
+              <a:rPr lang="en-US" altLang="ko-KR" sz="800" dirty="0" err="1" smtClean="0"/>
+              <a:t>tty</a:t>
+            </a:r>
+            <a:r>
+              <a:rPr lang="en-US" altLang="ko-KR" sz="800" dirty="0" smtClean="0"/>
+              <a:t>*</a:t>
+            </a:r>
+          </a:p>
+          <a:p>
+            <a:r>
+              <a:rPr lang="en-US" altLang="ko-KR" sz="800" dirty="0" smtClean="0"/>
+              <a:t>// ARDUINO_UNO "/dev/ttyACM0"</a:t>
+            </a:r>
+          </a:p>
+          <a:p>
+            <a:r>
+              <a:rPr lang="en-US" altLang="ko-KR" sz="800" dirty="0" smtClean="0"/>
+              <a:t>// FTDI_PROGRAMMER "/dev/ttyUSB0"</a:t>
+            </a:r>
+          </a:p>
+          <a:p>
+            <a:r>
+              <a:rPr lang="en-US" altLang="ko-KR" sz="800" dirty="0" smtClean="0"/>
+              <a:t>// HARDWARE_UART "/dev/ttyAMA0"</a:t>
+            </a:r>
+          </a:p>
+          <a:p>
+            <a:r>
+              <a:rPr lang="en-US" altLang="ko-KR" sz="800" dirty="0" smtClean="0"/>
+              <a:t>char device[]= "/dev/ttyACM0";</a:t>
+            </a:r>
+          </a:p>
+          <a:p>
+            <a:r>
+              <a:rPr lang="en-US" altLang="ko-KR" sz="800" dirty="0" smtClean="0"/>
+              <a:t>// </a:t>
+            </a:r>
+            <a:r>
+              <a:rPr lang="en-US" altLang="ko-KR" sz="800" dirty="0" err="1" smtClean="0"/>
+              <a:t>filedescriptor</a:t>
+            </a:r>
+            <a:endParaRPr lang="en-US" altLang="ko-KR" sz="800" dirty="0" smtClean="0"/>
+          </a:p>
+          <a:p>
+            <a:r>
+              <a:rPr lang="en-US" altLang="ko-KR" sz="800" dirty="0" err="1" smtClean="0"/>
+              <a:t>int</a:t>
+            </a:r>
+            <a:r>
+              <a:rPr lang="en-US" altLang="ko-KR" sz="800" dirty="0" smtClean="0"/>
+              <a:t> </a:t>
+            </a:r>
+            <a:r>
+              <a:rPr lang="en-US" altLang="ko-KR" sz="800" dirty="0" err="1" smtClean="0"/>
+              <a:t>fd</a:t>
+            </a:r>
+            <a:r>
+              <a:rPr lang="en-US" altLang="ko-KR" sz="800" dirty="0" smtClean="0"/>
+              <a:t>;</a:t>
+            </a:r>
+          </a:p>
+          <a:p>
+            <a:r>
+              <a:rPr lang="en-US" altLang="ko-KR" sz="800" dirty="0" smtClean="0"/>
+              <a:t>unsigned long baud = 9600;</a:t>
+            </a:r>
+          </a:p>
+          <a:p>
+            <a:r>
+              <a:rPr lang="en-US" altLang="ko-KR" sz="800" dirty="0" smtClean="0"/>
+              <a:t>unsigned long time=0;</a:t>
+            </a:r>
+          </a:p>
+          <a:p>
+            <a:r>
+              <a:rPr lang="en-US" altLang="ko-KR" sz="800" dirty="0" smtClean="0"/>
+              <a:t> </a:t>
+            </a:r>
+          </a:p>
+          <a:p>
+            <a:r>
+              <a:rPr lang="en-US" altLang="ko-KR" sz="800" dirty="0" smtClean="0"/>
+              <a:t>//prototypes</a:t>
+            </a:r>
+          </a:p>
+          <a:p>
+            <a:r>
+              <a:rPr lang="en-US" altLang="ko-KR" sz="800" dirty="0" err="1" smtClean="0"/>
+              <a:t>int</a:t>
+            </a:r>
+            <a:r>
+              <a:rPr lang="en-US" altLang="ko-KR" sz="800" dirty="0" smtClean="0"/>
+              <a:t> main(void);</a:t>
+            </a:r>
+          </a:p>
+          <a:p>
+            <a:r>
+              <a:rPr lang="en-US" altLang="ko-KR" sz="800" dirty="0" smtClean="0"/>
+              <a:t>void loop(void);</a:t>
+            </a:r>
+          </a:p>
+          <a:p>
+            <a:r>
+              <a:rPr lang="en-US" altLang="ko-KR" sz="800" dirty="0" smtClean="0"/>
+              <a:t>void setup(void);</a:t>
+            </a:r>
+          </a:p>
+          <a:p>
+            <a:r>
+              <a:rPr lang="en-US" altLang="ko-KR" sz="800" dirty="0" smtClean="0"/>
+              <a:t> </a:t>
+            </a:r>
+          </a:p>
+          <a:p>
+            <a:r>
+              <a:rPr lang="en-US" altLang="ko-KR" sz="800" dirty="0" smtClean="0"/>
+              <a:t>void setup(){</a:t>
+            </a:r>
+          </a:p>
+          <a:p>
+            <a:r>
+              <a:rPr lang="en-US" altLang="ko-KR" sz="800" dirty="0" smtClean="0"/>
+              <a:t> </a:t>
+            </a:r>
+          </a:p>
+          <a:p>
+            <a:r>
+              <a:rPr lang="en-US" altLang="ko-KR" sz="800" dirty="0" smtClean="0"/>
+              <a:t>  </a:t>
+            </a:r>
+            <a:r>
+              <a:rPr lang="en-US" altLang="ko-KR" sz="800" dirty="0" err="1" smtClean="0"/>
+              <a:t>printf</a:t>
+            </a:r>
+            <a:r>
+              <a:rPr lang="en-US" altLang="ko-KR" sz="800" dirty="0" smtClean="0"/>
+              <a:t>("%s \n", "Raspberry Startup!");</a:t>
+            </a:r>
+          </a:p>
+          <a:p>
+            <a:r>
+              <a:rPr lang="en-US" altLang="ko-KR" sz="800" dirty="0" smtClean="0"/>
+              <a:t>  </a:t>
+            </a:r>
+            <a:r>
+              <a:rPr lang="en-US" altLang="ko-KR" sz="800" dirty="0" err="1" smtClean="0"/>
+              <a:t>fflush</a:t>
+            </a:r>
+            <a:r>
+              <a:rPr lang="en-US" altLang="ko-KR" sz="800" dirty="0" smtClean="0"/>
+              <a:t>(</a:t>
+            </a:r>
+            <a:r>
+              <a:rPr lang="en-US" altLang="ko-KR" sz="800" dirty="0" err="1" smtClean="0"/>
+              <a:t>stdout</a:t>
+            </a:r>
+            <a:r>
+              <a:rPr lang="en-US" altLang="ko-KR" sz="800" dirty="0" smtClean="0"/>
+              <a:t>);</a:t>
+            </a:r>
+          </a:p>
+          <a:p>
+            <a:r>
+              <a:rPr lang="en-US" altLang="ko-KR" sz="800" dirty="0" smtClean="0"/>
+              <a:t> </a:t>
+            </a:r>
+          </a:p>
+          <a:p>
+            <a:r>
+              <a:rPr lang="en-US" altLang="ko-KR" sz="800" dirty="0" smtClean="0"/>
+              <a:t>  //get </a:t>
+            </a:r>
+            <a:r>
+              <a:rPr lang="en-US" altLang="ko-KR" sz="800" dirty="0" err="1" smtClean="0"/>
+              <a:t>filedescriptor</a:t>
+            </a:r>
+            <a:endParaRPr lang="en-US" altLang="ko-KR" sz="800" dirty="0" smtClean="0"/>
+          </a:p>
+          <a:p>
+            <a:r>
+              <a:rPr lang="en-US" altLang="ko-KR" sz="800" dirty="0" smtClean="0"/>
+              <a:t>  if ((</a:t>
+            </a:r>
+            <a:r>
+              <a:rPr lang="en-US" altLang="ko-KR" sz="800" dirty="0" err="1" smtClean="0"/>
+              <a:t>fd</a:t>
+            </a:r>
+            <a:r>
+              <a:rPr lang="en-US" altLang="ko-KR" sz="800" dirty="0" smtClean="0"/>
+              <a:t> = </a:t>
+            </a:r>
+            <a:r>
+              <a:rPr lang="en-US" altLang="ko-KR" sz="800" dirty="0" err="1" smtClean="0"/>
+              <a:t>serialOpen</a:t>
+            </a:r>
+            <a:r>
+              <a:rPr lang="en-US" altLang="ko-KR" sz="800" dirty="0" smtClean="0"/>
+              <a:t> (device, baud)) &lt; 0){</a:t>
+            </a:r>
+          </a:p>
+          <a:p>
+            <a:r>
+              <a:rPr lang="en-US" altLang="ko-KR" sz="800" dirty="0" smtClean="0"/>
+              <a:t>    </a:t>
+            </a:r>
+            <a:r>
+              <a:rPr lang="en-US" altLang="ko-KR" sz="800" dirty="0" err="1" smtClean="0"/>
+              <a:t>fprintf</a:t>
+            </a:r>
+            <a:r>
+              <a:rPr lang="en-US" altLang="ko-KR" sz="800" dirty="0" smtClean="0"/>
+              <a:t> (</a:t>
+            </a:r>
+            <a:r>
+              <a:rPr lang="en-US" altLang="ko-KR" sz="800" dirty="0" err="1" smtClean="0"/>
+              <a:t>stderr</a:t>
+            </a:r>
+            <a:r>
+              <a:rPr lang="en-US" altLang="ko-KR" sz="800" dirty="0" smtClean="0"/>
+              <a:t>, "Unable to open serial device: %s\n", </a:t>
+            </a:r>
+            <a:r>
+              <a:rPr lang="en-US" altLang="ko-KR" sz="800" dirty="0" err="1" smtClean="0"/>
+              <a:t>strerror</a:t>
+            </a:r>
+            <a:r>
+              <a:rPr lang="en-US" altLang="ko-KR" sz="800" dirty="0" smtClean="0"/>
+              <a:t> (</a:t>
+            </a:r>
+            <a:r>
+              <a:rPr lang="en-US" altLang="ko-KR" sz="800" dirty="0" err="1" smtClean="0"/>
+              <a:t>errno</a:t>
+            </a:r>
+            <a:r>
+              <a:rPr lang="en-US" altLang="ko-KR" sz="800" dirty="0" smtClean="0"/>
+              <a:t>)) ;</a:t>
+            </a:r>
+          </a:p>
+          <a:p>
+            <a:r>
+              <a:rPr lang="en-US" altLang="ko-KR" sz="800" dirty="0" smtClean="0"/>
+              <a:t>    exit(1); //error</a:t>
+            </a:r>
+          </a:p>
+          <a:p>
+            <a:r>
+              <a:rPr lang="en-US" altLang="ko-KR" sz="800" dirty="0" smtClean="0"/>
+              <a:t>  }</a:t>
+            </a:r>
+          </a:p>
+          <a:p>
+            <a:r>
+              <a:rPr lang="en-US" altLang="ko-KR" sz="800" dirty="0" smtClean="0"/>
+              <a:t> </a:t>
+            </a:r>
+          </a:p>
+          <a:p>
+            <a:r>
+              <a:rPr lang="en-US" altLang="ko-KR" sz="800" dirty="0" smtClean="0"/>
+              <a:t>  //setup GPIO in </a:t>
+            </a:r>
+            <a:r>
+              <a:rPr lang="en-US" altLang="ko-KR" sz="800" dirty="0" err="1" smtClean="0"/>
+              <a:t>wiringPi</a:t>
+            </a:r>
+            <a:r>
+              <a:rPr lang="en-US" altLang="ko-KR" sz="800" dirty="0" smtClean="0"/>
+              <a:t> mode</a:t>
+            </a:r>
+          </a:p>
+          <a:p>
+            <a:r>
+              <a:rPr lang="en-US" altLang="ko-KR" sz="800" dirty="0" smtClean="0"/>
+              <a:t>  if (</a:t>
+            </a:r>
+            <a:r>
+              <a:rPr lang="en-US" altLang="ko-KR" sz="800" dirty="0" err="1" smtClean="0"/>
+              <a:t>wiringPiSetup</a:t>
+            </a:r>
+            <a:r>
+              <a:rPr lang="en-US" altLang="ko-KR" sz="800" dirty="0" smtClean="0"/>
+              <a:t> () == -1){</a:t>
+            </a:r>
+          </a:p>
+          <a:p>
+            <a:r>
+              <a:rPr lang="en-US" altLang="ko-KR" sz="800" dirty="0" smtClean="0"/>
+              <a:t>    </a:t>
+            </a:r>
+            <a:r>
+              <a:rPr lang="en-US" altLang="ko-KR" sz="800" dirty="0" err="1" smtClean="0"/>
+              <a:t>fprintf</a:t>
+            </a:r>
+            <a:r>
+              <a:rPr lang="en-US" altLang="ko-KR" sz="800" dirty="0" smtClean="0"/>
+              <a:t> (</a:t>
+            </a:r>
+            <a:r>
+              <a:rPr lang="en-US" altLang="ko-KR" sz="800" dirty="0" err="1" smtClean="0"/>
+              <a:t>stdout</a:t>
+            </a:r>
+            <a:r>
+              <a:rPr lang="en-US" altLang="ko-KR" sz="800" dirty="0" smtClean="0"/>
+              <a:t>, "Unable to start </a:t>
+            </a:r>
+            <a:r>
+              <a:rPr lang="en-US" altLang="ko-KR" sz="800" dirty="0" err="1" smtClean="0"/>
+              <a:t>wiringPi</a:t>
+            </a:r>
+            <a:r>
+              <a:rPr lang="en-US" altLang="ko-KR" sz="800" dirty="0" smtClean="0"/>
+              <a:t>: %s\n", </a:t>
+            </a:r>
+            <a:r>
+              <a:rPr lang="en-US" altLang="ko-KR" sz="800" dirty="0" err="1" smtClean="0"/>
+              <a:t>strerror</a:t>
+            </a:r>
+            <a:r>
+              <a:rPr lang="en-US" altLang="ko-KR" sz="800" dirty="0" smtClean="0"/>
+              <a:t> (</a:t>
+            </a:r>
+            <a:r>
+              <a:rPr lang="en-US" altLang="ko-KR" sz="800" dirty="0" err="1" smtClean="0"/>
+              <a:t>errno</a:t>
+            </a:r>
+            <a:r>
+              <a:rPr lang="en-US" altLang="ko-KR" sz="800" dirty="0" smtClean="0"/>
+              <a:t>)) ;</a:t>
+            </a:r>
+          </a:p>
+          <a:p>
+            <a:r>
+              <a:rPr lang="en-US" altLang="ko-KR" sz="800" dirty="0" smtClean="0"/>
+              <a:t>    exit(1); //error</a:t>
+            </a:r>
+          </a:p>
+          <a:p>
+            <a:r>
+              <a:rPr lang="en-US" altLang="ko-KR" sz="800" dirty="0" smtClean="0"/>
+              <a:t>  }</a:t>
+            </a:r>
+          </a:p>
+          <a:p>
+            <a:r>
+              <a:rPr lang="en-US" altLang="ko-KR" sz="800" dirty="0" smtClean="0"/>
+              <a:t> </a:t>
+            </a:r>
+          </a:p>
+          <a:p>
+            <a:r>
+              <a:rPr lang="en-US" altLang="ko-KR" sz="800" dirty="0" smtClean="0"/>
+              <a:t>}</a:t>
+            </a:r>
+          </a:p>
+          <a:p>
+            <a:r>
+              <a:rPr lang="en-US" altLang="ko-KR" sz="800" dirty="0" smtClean="0"/>
+              <a:t> </a:t>
+            </a:r>
+          </a:p>
+          <a:p>
+            <a:r>
+              <a:rPr lang="en-US" altLang="ko-KR" sz="800" dirty="0" smtClean="0"/>
+              <a:t>void loop(){</a:t>
+            </a:r>
+          </a:p>
+          <a:p>
+            <a:r>
+              <a:rPr lang="en-US" altLang="ko-KR" sz="800" dirty="0" smtClean="0"/>
+              <a:t>  // Pong every 3 seconds</a:t>
+            </a:r>
+          </a:p>
+          <a:p>
+            <a:r>
+              <a:rPr lang="en-US" altLang="ko-KR" sz="800" dirty="0" smtClean="0"/>
+              <a:t>  if(</a:t>
+            </a:r>
+            <a:r>
+              <a:rPr lang="en-US" altLang="ko-KR" sz="800" dirty="0" err="1" smtClean="0"/>
+              <a:t>millis</a:t>
+            </a:r>
+            <a:r>
+              <a:rPr lang="en-US" altLang="ko-KR" sz="800" dirty="0" smtClean="0"/>
+              <a:t>()-time&gt;=3000){</a:t>
+            </a:r>
+          </a:p>
+          <a:p>
+            <a:r>
+              <a:rPr lang="en-US" altLang="ko-KR" sz="800" dirty="0" smtClean="0"/>
+              <a:t>    </a:t>
+            </a:r>
+            <a:r>
+              <a:rPr lang="en-US" altLang="ko-KR" sz="800" dirty="0" err="1" smtClean="0"/>
+              <a:t>serialPuts</a:t>
+            </a:r>
+            <a:r>
+              <a:rPr lang="en-US" altLang="ko-KR" sz="800" dirty="0" smtClean="0"/>
+              <a:t> (</a:t>
+            </a:r>
+            <a:r>
+              <a:rPr lang="en-US" altLang="ko-KR" sz="800" dirty="0" err="1" smtClean="0"/>
+              <a:t>fd</a:t>
+            </a:r>
+            <a:r>
+              <a:rPr lang="en-US" altLang="ko-KR" sz="800" dirty="0" smtClean="0"/>
+              <a:t>, "Pong!\n");</a:t>
+            </a:r>
+          </a:p>
+          <a:p>
+            <a:r>
+              <a:rPr lang="en-US" altLang="ko-KR" sz="800" dirty="0" smtClean="0"/>
+              <a:t>    // you can also write data from 0-255</a:t>
+            </a:r>
+          </a:p>
+          <a:p>
+            <a:r>
+              <a:rPr lang="en-US" altLang="ko-KR" sz="800" dirty="0" smtClean="0"/>
+              <a:t>    // 65 is in ASCII 'A'</a:t>
+            </a:r>
+          </a:p>
+          <a:p>
+            <a:r>
+              <a:rPr lang="en-US" altLang="ko-KR" sz="800" dirty="0" smtClean="0"/>
+              <a:t>    </a:t>
+            </a:r>
+            <a:r>
+              <a:rPr lang="en-US" altLang="ko-KR" sz="800" dirty="0" err="1" smtClean="0"/>
+              <a:t>serialPutchar</a:t>
+            </a:r>
+            <a:r>
+              <a:rPr lang="en-US" altLang="ko-KR" sz="800" dirty="0" smtClean="0"/>
+              <a:t> (</a:t>
+            </a:r>
+            <a:r>
+              <a:rPr lang="en-US" altLang="ko-KR" sz="800" dirty="0" err="1" smtClean="0"/>
+              <a:t>fd</a:t>
+            </a:r>
+            <a:r>
+              <a:rPr lang="en-US" altLang="ko-KR" sz="800" dirty="0" smtClean="0"/>
+              <a:t>, 65);</a:t>
+            </a:r>
+          </a:p>
+          <a:p>
+            <a:r>
+              <a:rPr lang="en-US" altLang="ko-KR" sz="800" dirty="0" smtClean="0"/>
+              <a:t>    time=</a:t>
+            </a:r>
+            <a:r>
+              <a:rPr lang="en-US" altLang="ko-KR" sz="800" dirty="0" err="1" smtClean="0"/>
+              <a:t>millis</a:t>
+            </a:r>
+            <a:r>
+              <a:rPr lang="en-US" altLang="ko-KR" sz="800" dirty="0" smtClean="0"/>
+              <a:t>();</a:t>
+            </a:r>
+          </a:p>
+          <a:p>
+            <a:r>
+              <a:rPr lang="en-US" altLang="ko-KR" sz="800" dirty="0" smtClean="0"/>
+              <a:t>  }</a:t>
+            </a:r>
+          </a:p>
+          <a:p>
+            <a:r>
+              <a:rPr lang="en-US" altLang="ko-KR" sz="800" dirty="0" smtClean="0"/>
+              <a:t> </a:t>
+            </a:r>
+          </a:p>
+          <a:p>
+            <a:r>
+              <a:rPr lang="en-US" altLang="ko-KR" sz="800" dirty="0" smtClean="0"/>
+              <a:t>  // read signal</a:t>
+            </a:r>
+          </a:p>
+          <a:p>
+            <a:r>
+              <a:rPr lang="en-US" altLang="ko-KR" sz="800" dirty="0" smtClean="0"/>
+              <a:t>  if(</a:t>
+            </a:r>
+            <a:r>
+              <a:rPr lang="en-US" altLang="ko-KR" sz="800" dirty="0" err="1" smtClean="0"/>
+              <a:t>serialDataAvail</a:t>
+            </a:r>
+            <a:r>
+              <a:rPr lang="en-US" altLang="ko-KR" sz="800" dirty="0" smtClean="0"/>
+              <a:t> (</a:t>
+            </a:r>
+            <a:r>
+              <a:rPr lang="en-US" altLang="ko-KR" sz="800" dirty="0" err="1" smtClean="0"/>
+              <a:t>fd</a:t>
+            </a:r>
+            <a:r>
+              <a:rPr lang="en-US" altLang="ko-KR" sz="800" dirty="0" smtClean="0"/>
+              <a:t>)){</a:t>
+            </a:r>
+          </a:p>
+          <a:p>
+            <a:r>
+              <a:rPr lang="en-US" altLang="ko-KR" sz="800" dirty="0" smtClean="0"/>
+              <a:t>    char </a:t>
+            </a:r>
+            <a:r>
+              <a:rPr lang="en-US" altLang="ko-KR" sz="800" dirty="0" err="1" smtClean="0"/>
+              <a:t>newChar</a:t>
+            </a:r>
+            <a:r>
+              <a:rPr lang="en-US" altLang="ko-KR" sz="800" dirty="0" smtClean="0"/>
+              <a:t> = </a:t>
+            </a:r>
+            <a:r>
+              <a:rPr lang="en-US" altLang="ko-KR" sz="800" dirty="0" err="1" smtClean="0"/>
+              <a:t>serialGetchar</a:t>
+            </a:r>
+            <a:r>
+              <a:rPr lang="en-US" altLang="ko-KR" sz="800" dirty="0" smtClean="0"/>
+              <a:t> (</a:t>
+            </a:r>
+            <a:r>
+              <a:rPr lang="en-US" altLang="ko-KR" sz="800" dirty="0" err="1" smtClean="0"/>
+              <a:t>fd</a:t>
+            </a:r>
+            <a:r>
+              <a:rPr lang="en-US" altLang="ko-KR" sz="800" dirty="0" smtClean="0"/>
+              <a:t>);</a:t>
+            </a:r>
+          </a:p>
+          <a:p>
+            <a:r>
+              <a:rPr lang="en-US" altLang="ko-KR" sz="800" dirty="0" smtClean="0"/>
+              <a:t>    </a:t>
+            </a:r>
+            <a:r>
+              <a:rPr lang="en-US" altLang="ko-KR" sz="800" dirty="0" err="1" smtClean="0"/>
+              <a:t>printf</a:t>
+            </a:r>
+            <a:r>
+              <a:rPr lang="en-US" altLang="ko-KR" sz="800" dirty="0" smtClean="0"/>
+              <a:t>("%c", </a:t>
+            </a:r>
+            <a:r>
+              <a:rPr lang="en-US" altLang="ko-KR" sz="800" dirty="0" err="1" smtClean="0"/>
+              <a:t>newChar</a:t>
+            </a:r>
+            <a:r>
+              <a:rPr lang="en-US" altLang="ko-KR" sz="800" dirty="0" smtClean="0"/>
+              <a:t>);</a:t>
+            </a:r>
+          </a:p>
+          <a:p>
+            <a:r>
+              <a:rPr lang="en-US" altLang="ko-KR" sz="800" dirty="0" smtClean="0"/>
+              <a:t>    </a:t>
+            </a:r>
+            <a:r>
+              <a:rPr lang="en-US" altLang="ko-KR" sz="800" dirty="0" err="1" smtClean="0"/>
+              <a:t>fflush</a:t>
+            </a:r>
+            <a:r>
+              <a:rPr lang="en-US" altLang="ko-KR" sz="800" dirty="0" smtClean="0"/>
+              <a:t>(</a:t>
+            </a:r>
+            <a:r>
+              <a:rPr lang="en-US" altLang="ko-KR" sz="800" dirty="0" err="1" smtClean="0"/>
+              <a:t>stdout</a:t>
+            </a:r>
+            <a:r>
+              <a:rPr lang="en-US" altLang="ko-KR" sz="800" dirty="0" smtClean="0"/>
+              <a:t>);</a:t>
+            </a:r>
+          </a:p>
+          <a:p>
+            <a:r>
+              <a:rPr lang="en-US" altLang="ko-KR" sz="800" dirty="0" smtClean="0"/>
+              <a:t>  }</a:t>
+            </a:r>
+          </a:p>
+          <a:p>
+            <a:r>
+              <a:rPr lang="en-US" altLang="ko-KR" sz="800" dirty="0" smtClean="0"/>
+              <a:t> </a:t>
+            </a:r>
+          </a:p>
+          <a:p>
+            <a:r>
+              <a:rPr lang="en-US" altLang="ko-KR" sz="800" dirty="0" smtClean="0"/>
+              <a:t>}</a:t>
+            </a:r>
+          </a:p>
+          <a:p>
+            <a:r>
+              <a:rPr lang="en-US" altLang="ko-KR" sz="800" dirty="0" smtClean="0"/>
+              <a:t> </a:t>
+            </a:r>
+          </a:p>
+          <a:p>
+            <a:r>
+              <a:rPr lang="en-US" altLang="ko-KR" sz="800" dirty="0" smtClean="0"/>
+              <a:t>// main function for normal </a:t>
+            </a:r>
+            <a:r>
+              <a:rPr lang="en-US" altLang="ko-KR" sz="800" dirty="0" err="1" smtClean="0"/>
+              <a:t>c++</a:t>
+            </a:r>
+            <a:r>
+              <a:rPr lang="en-US" altLang="ko-KR" sz="800" dirty="0" smtClean="0"/>
+              <a:t> programs on Raspberry</a:t>
+            </a:r>
+          </a:p>
+          <a:p>
+            <a:r>
+              <a:rPr lang="en-US" altLang="ko-KR" sz="800" dirty="0" err="1" smtClean="0"/>
+              <a:t>int</a:t>
+            </a:r>
+            <a:r>
+              <a:rPr lang="en-US" altLang="ko-KR" sz="800" dirty="0" smtClean="0"/>
+              <a:t> main(){</a:t>
+            </a:r>
+          </a:p>
+          <a:p>
+            <a:r>
+              <a:rPr lang="en-US" altLang="ko-KR" sz="800" dirty="0" smtClean="0"/>
+              <a:t>  setup();</a:t>
+            </a:r>
+          </a:p>
+          <a:p>
+            <a:r>
+              <a:rPr lang="en-US" altLang="ko-KR" sz="800" dirty="0" smtClean="0"/>
+              <a:t>  while(1) loop();</a:t>
+            </a:r>
+          </a:p>
+          <a:p>
+            <a:r>
+              <a:rPr lang="en-US" altLang="ko-KR" sz="800" dirty="0" smtClean="0"/>
+              <a:t>  return 0;</a:t>
+            </a:r>
+          </a:p>
+          <a:p>
+            <a:r>
+              <a:rPr lang="en-US" altLang="ko-KR" sz="800" dirty="0" smtClean="0"/>
+              <a:t>}</a:t>
+            </a:r>
+          </a:p>
+          <a:p>
+            <a:r>
+              <a:rPr lang="en-US" altLang="ko-KR" sz="800" dirty="0" smtClean="0"/>
+              <a:t> </a:t>
+            </a:r>
+          </a:p>
+          <a:p>
+            <a:r>
+              <a:rPr lang="en-US" altLang="ko-KR" sz="800" dirty="0" smtClean="0"/>
+              <a:t>#</a:t>
+            </a:r>
+            <a:r>
+              <a:rPr lang="en-US" altLang="ko-KR" sz="800" dirty="0" err="1" smtClean="0"/>
+              <a:t>endif</a:t>
+            </a:r>
+            <a:r>
+              <a:rPr lang="en-US" altLang="ko-KR" sz="800" dirty="0" smtClean="0"/>
+              <a:t> //#</a:t>
+            </a:r>
+            <a:r>
+              <a:rPr lang="en-US" altLang="ko-KR" sz="800" dirty="0" err="1" smtClean="0"/>
+              <a:t>ifdef</a:t>
+            </a:r>
+            <a:r>
+              <a:rPr lang="en-US" altLang="ko-KR" sz="800" dirty="0" smtClean="0"/>
+              <a:t> </a:t>
+            </a:r>
+            <a:r>
+              <a:rPr lang="en-US" altLang="ko-KR" sz="800" dirty="0" err="1" smtClean="0"/>
+              <a:t>RaspberryPi</a:t>
+            </a:r>
+            <a:endParaRPr lang="en-US" altLang="ko-KR" sz="800" dirty="0" smtClean="0"/>
+          </a:p>
+          <a:p>
             <a:endParaRPr lang="ko-KR" altLang="en-US" dirty="0"/>
           </a:p>
         </p:txBody>
@@ -842,7 +1696,7 @@
           <a:p>
             <a:fld id="{C31391B9-4FBD-4709-8429-950785178E4C}" type="datetime1">
               <a:rPr lang="ko-KR" altLang="en-US" smtClean="0"/>
-              <a:t>2016-09-22</a:t>
+              <a:t>2016-09-25</a:t>
             </a:fld>
             <a:endParaRPr lang="ko-KR" altLang="en-US" dirty="0"/>
           </a:p>
@@ -1053,7 +1907,7 @@
           <a:p>
             <a:fld id="{99B03AD2-E26D-4A33-8719-05CDBE024023}" type="datetime1">
               <a:rPr lang="ko-KR" altLang="en-US" smtClean="0"/>
-              <a:t>2016-09-22</a:t>
+              <a:t>2016-09-25</a:t>
             </a:fld>
             <a:endParaRPr lang="ko-KR" altLang="en-US" dirty="0"/>
           </a:p>
@@ -1258,7 +2112,7 @@
           <a:p>
             <a:fld id="{667DED00-79E9-4A7C-AC94-49242A7F89C4}" type="datetime1">
               <a:rPr lang="ko-KR" altLang="en-US" smtClean="0"/>
-              <a:t>2016-09-22</a:t>
+              <a:t>2016-09-25</a:t>
             </a:fld>
             <a:endParaRPr lang="ko-KR" altLang="en-US" dirty="0"/>
           </a:p>
@@ -1386,7 +2240,7 @@
           <a:p>
             <a:fld id="{32F2DD21-A0BD-4AD8-A2FB-529BEDE11F68}" type="datetime1">
               <a:rPr lang="ko-KR" altLang="en-US" smtClean="0"/>
-              <a:t>2016-09-22</a:t>
+              <a:t>2016-09-25</a:t>
             </a:fld>
             <a:endParaRPr lang="ko-KR" altLang="en-US" dirty="0"/>
           </a:p>
@@ -1659,7 +2513,7 @@
           <a:p>
             <a:fld id="{BCAF64AB-B6E0-4A16-A9FC-3FC6DFE2CC13}" type="datetime1">
               <a:rPr lang="ko-KR" altLang="en-US" smtClean="0"/>
-              <a:t>2016-09-22</a:t>
+              <a:t>2016-09-25</a:t>
             </a:fld>
             <a:endParaRPr lang="ko-KR" altLang="en-US" dirty="0"/>
           </a:p>
@@ -1912,7 +2766,7 @@
           <a:p>
             <a:fld id="{80B0413D-78E5-4449-A7C0-54B474014E5D}" type="datetime1">
               <a:rPr lang="ko-KR" altLang="en-US" smtClean="0"/>
-              <a:t>2016-09-22</a:t>
+              <a:t>2016-09-25</a:t>
             </a:fld>
             <a:endParaRPr lang="ko-KR" altLang="en-US" dirty="0"/>
           </a:p>
@@ -2094,7 +2948,7 @@
           <a:p>
             <a:fld id="{F82343B6-1678-49D0-A189-23A5EBD22C17}" type="datetime1">
               <a:rPr lang="ko-KR" altLang="en-US" smtClean="0"/>
-              <a:t>2016-09-22</a:t>
+              <a:t>2016-09-25</a:t>
             </a:fld>
             <a:endParaRPr lang="ko-KR" altLang="en-US" dirty="0"/>
           </a:p>
@@ -2324,7 +3178,7 @@
           <a:p>
             <a:fld id="{D4ADD467-C8C6-4F8B-A0CB-1F47A93C1655}" type="datetime1">
               <a:rPr lang="ko-KR" altLang="en-US" smtClean="0"/>
-              <a:t>2016-09-22</a:t>
+              <a:t>2016-09-25</a:t>
             </a:fld>
             <a:endParaRPr lang="ko-KR" altLang="en-US" dirty="0"/>
           </a:p>
@@ -2578,7 +3432,7 @@
           <a:p>
             <a:fld id="{A881DA0A-D283-43DF-8752-4CA007BF423F}" type="datetime1">
               <a:rPr lang="ko-KR" altLang="en-US" smtClean="0"/>
-              <a:t>2016-09-22</a:t>
+              <a:t>2016-09-25</a:t>
             </a:fld>
             <a:endParaRPr lang="ko-KR" altLang="en-US" dirty="0"/>
           </a:p>
@@ -2941,7 +3795,7 @@
           <a:p>
             <a:fld id="{95B62A26-C396-495F-A844-8802C4813B16}" type="datetime1">
               <a:rPr lang="ko-KR" altLang="en-US" smtClean="0"/>
-              <a:t>2016-09-22</a:t>
+              <a:t>2016-09-25</a:t>
             </a:fld>
             <a:endParaRPr lang="ko-KR" altLang="en-US" dirty="0"/>
           </a:p>
@@ -3168,7 +4022,7 @@
           <a:p>
             <a:fld id="{3E34E751-3A87-415E-AC39-320D443E05A7}" type="datetime1">
               <a:rPr lang="ko-KR" altLang="en-US" smtClean="0"/>
-              <a:t>2016-09-22</a:t>
+              <a:t>2016-09-25</a:t>
             </a:fld>
             <a:endParaRPr lang="ko-KR" altLang="en-US" dirty="0"/>
           </a:p>
@@ -3473,7 +4327,7 @@
           <a:p>
             <a:fld id="{EC148A29-2C23-4A45-BF3F-58A37D99A581}" type="datetime1">
               <a:rPr lang="ko-KR" altLang="en-US" smtClean="0"/>
-              <a:t>2016-09-22</a:t>
+              <a:t>2016-09-25</a:t>
             </a:fld>
             <a:endParaRPr lang="ko-KR" altLang="en-US" dirty="0"/>
           </a:p>
@@ -3724,7 +4578,7 @@
           <a:p>
             <a:fld id="{53CD30B2-80E1-43DE-AF1C-146F115597AA}" type="datetime1">
               <a:rPr lang="ko-KR" altLang="en-US" smtClean="0"/>
-              <a:t>2016-09-22</a:t>
+              <a:t>2016-09-25</a:t>
             </a:fld>
             <a:endParaRPr lang="ko-KR" altLang="en-US" dirty="0"/>
           </a:p>
@@ -4275,7 +5129,7 @@
           <a:p>
             <a:fld id="{209C89E7-15FE-4BC3-880A-73B29EC32CB9}" type="datetime1">
               <a:rPr lang="ko-KR" altLang="en-US" smtClean="0"/>
-              <a:t>2016-09-22</a:t>
+              <a:t>2016-09-25</a:t>
             </a:fld>
             <a:endParaRPr lang="ko-KR" altLang="en-US" dirty="0"/>
           </a:p>
@@ -4731,7 +5585,7 @@
           <a:p>
             <a:fld id="{04D8DD28-8A11-4029-A0DA-38FE6F7E0E0F}" type="datetime1">
               <a:rPr lang="ko-KR" altLang="en-US" smtClean="0"/>
-              <a:t>2016-09-22</a:t>
+              <a:t>2016-09-25</a:t>
             </a:fld>
             <a:endParaRPr lang="ko-KR" altLang="en-US" dirty="0"/>
           </a:p>
@@ -4883,7 +5737,7 @@
           <a:p>
             <a:fld id="{7EC852CB-A3BD-4CC5-B032-E934B5A1C878}" type="datetime1">
               <a:rPr lang="ko-KR" altLang="en-US" smtClean="0"/>
-              <a:t>2016-09-22</a:t>
+              <a:t>2016-09-25</a:t>
             </a:fld>
             <a:endParaRPr lang="ko-KR" altLang="en-US" dirty="0"/>
           </a:p>
@@ -5159,7 +6013,7 @@
           <a:p>
             <a:fld id="{92E90DED-1A97-41E6-B148-00022D2FDB3B}" type="datetime1">
               <a:rPr lang="ko-KR" altLang="en-US" smtClean="0"/>
-              <a:t>2016-09-22</a:t>
+              <a:t>2016-09-25</a:t>
             </a:fld>
             <a:endParaRPr lang="ko-KR" altLang="en-US" dirty="0"/>
           </a:p>
@@ -7214,15 +8068,7 @@
             </a:r>
             <a:r>
               <a:rPr lang="en-US" altLang="ko-KR" dirty="0" smtClean="0"/>
-              <a:t> </a:t>
-            </a:r>
-            <a:r>
-              <a:rPr lang="en-US" altLang="ko-KR" dirty="0" smtClean="0"/>
-              <a:t>–</a:t>
-            </a:r>
-            <a:r>
-              <a:rPr lang="en-US" altLang="ko-KR" dirty="0" smtClean="0"/>
-              <a:t>l </a:t>
+              <a:t> –l </a:t>
             </a:r>
             <a:r>
               <a:rPr lang="en-US" altLang="ko-KR" dirty="0" err="1" smtClean="0"/>
@@ -8201,7 +9047,7 @@
         </p:nvGrpSpPr>
         <p:grpSpPr>
           <a:xfrm>
-            <a:off x="7668344" y="815678"/>
+            <a:off x="9849768" y="1073797"/>
             <a:ext cx="8568952" cy="5725617"/>
             <a:chOff x="5243729" y="2704369"/>
             <a:chExt cx="4039624" cy="3600400"/>
@@ -8454,7 +9300,7 @@
         </p:blipFill>
         <p:spPr bwMode="auto">
           <a:xfrm>
-            <a:off x="1403648" y="3160808"/>
+            <a:off x="4499992" y="1071546"/>
             <a:ext cx="5586686" cy="3043555"/>
           </a:xfrm>
           <a:prstGeom prst="rect">
@@ -8981,7 +9827,12 @@
             <p:ph idx="1"/>
           </p:nvPr>
         </p:nvSpPr>
-        <p:spPr/>
+        <p:spPr>
+          <a:xfrm>
+            <a:off x="-1404664" y="836712"/>
+            <a:ext cx="8572560" cy="5357850"/>
+          </a:xfrm>
+        </p:spPr>
         <p:txBody>
           <a:bodyPr/>
           <a:lstStyle/>
